--- a/Diagnostics/local/Linear_theory/mass25/linear.pptx
+++ b/Diagnostics/local/Linear_theory/mass25/linear.pptx
@@ -197,7 +197,7 @@
           <a:p>
             <a:fld id="{FD33A045-3716-624E-8F87-0E22318EABDB}" type="datetimeFigureOut">
               <a:rPr lang="en-US" smtClean="0"/>
-              <a:t>7/12/22</a:t>
+              <a:t>6/5/23</a:t>
             </a:fld>
             <a:endParaRPr lang="en-US"/>
           </a:p>
@@ -684,7 +684,7 @@
           <a:p>
             <a:fld id="{59425017-E071-C042-9F7F-EECE8F3B4C22}" type="datetimeFigureOut">
               <a:rPr lang="en-US" smtClean="0"/>
-              <a:t>7/12/22</a:t>
+              <a:t>6/5/23</a:t>
             </a:fld>
             <a:endParaRPr lang="en-US"/>
           </a:p>
@@ -854,7 +854,7 @@
           <a:p>
             <a:fld id="{59425017-E071-C042-9F7F-EECE8F3B4C22}" type="datetimeFigureOut">
               <a:rPr lang="en-US" smtClean="0"/>
-              <a:t>7/12/22</a:t>
+              <a:t>6/5/23</a:t>
             </a:fld>
             <a:endParaRPr lang="en-US"/>
           </a:p>
@@ -1034,7 +1034,7 @@
           <a:p>
             <a:fld id="{59425017-E071-C042-9F7F-EECE8F3B4C22}" type="datetimeFigureOut">
               <a:rPr lang="en-US" smtClean="0"/>
-              <a:t>7/12/22</a:t>
+              <a:t>6/5/23</a:t>
             </a:fld>
             <a:endParaRPr lang="en-US"/>
           </a:p>
@@ -1204,7 +1204,7 @@
           <a:p>
             <a:fld id="{59425017-E071-C042-9F7F-EECE8F3B4C22}" type="datetimeFigureOut">
               <a:rPr lang="en-US" smtClean="0"/>
-              <a:t>7/12/22</a:t>
+              <a:t>6/5/23</a:t>
             </a:fld>
             <a:endParaRPr lang="en-US"/>
           </a:p>
@@ -1450,7 +1450,7 @@
           <a:p>
             <a:fld id="{59425017-E071-C042-9F7F-EECE8F3B4C22}" type="datetimeFigureOut">
               <a:rPr lang="en-US" smtClean="0"/>
-              <a:t>7/12/22</a:t>
+              <a:t>6/5/23</a:t>
             </a:fld>
             <a:endParaRPr lang="en-US"/>
           </a:p>
@@ -1682,7 +1682,7 @@
           <a:p>
             <a:fld id="{59425017-E071-C042-9F7F-EECE8F3B4C22}" type="datetimeFigureOut">
               <a:rPr lang="en-US" smtClean="0"/>
-              <a:t>7/12/22</a:t>
+              <a:t>6/5/23</a:t>
             </a:fld>
             <a:endParaRPr lang="en-US"/>
           </a:p>
@@ -2049,7 +2049,7 @@
           <a:p>
             <a:fld id="{59425017-E071-C042-9F7F-EECE8F3B4C22}" type="datetimeFigureOut">
               <a:rPr lang="en-US" smtClean="0"/>
-              <a:t>7/12/22</a:t>
+              <a:t>6/5/23</a:t>
             </a:fld>
             <a:endParaRPr lang="en-US"/>
           </a:p>
@@ -2167,7 +2167,7 @@
           <a:p>
             <a:fld id="{59425017-E071-C042-9F7F-EECE8F3B4C22}" type="datetimeFigureOut">
               <a:rPr lang="en-US" smtClean="0"/>
-              <a:t>7/12/22</a:t>
+              <a:t>6/5/23</a:t>
             </a:fld>
             <a:endParaRPr lang="en-US"/>
           </a:p>
@@ -2262,7 +2262,7 @@
           <a:p>
             <a:fld id="{59425017-E071-C042-9F7F-EECE8F3B4C22}" type="datetimeFigureOut">
               <a:rPr lang="en-US" smtClean="0"/>
-              <a:t>7/12/22</a:t>
+              <a:t>6/5/23</a:t>
             </a:fld>
             <a:endParaRPr lang="en-US"/>
           </a:p>
@@ -2539,7 +2539,7 @@
           <a:p>
             <a:fld id="{59425017-E071-C042-9F7F-EECE8F3B4C22}" type="datetimeFigureOut">
               <a:rPr lang="en-US" smtClean="0"/>
-              <a:t>7/12/22</a:t>
+              <a:t>6/5/23</a:t>
             </a:fld>
             <a:endParaRPr lang="en-US"/>
           </a:p>
@@ -2796,7 +2796,7 @@
           <a:p>
             <a:fld id="{59425017-E071-C042-9F7F-EECE8F3B4C22}" type="datetimeFigureOut">
               <a:rPr lang="en-US" smtClean="0"/>
-              <a:t>7/12/22</a:t>
+              <a:t>6/5/23</a:t>
             </a:fld>
             <a:endParaRPr lang="en-US"/>
           </a:p>
@@ -3009,7 +3009,7 @@
           <a:p>
             <a:fld id="{59425017-E071-C042-9F7F-EECE8F3B4C22}" type="datetimeFigureOut">
               <a:rPr lang="en-US" smtClean="0"/>
-              <a:t>7/12/22</a:t>
+              <a:t>6/5/23</a:t>
             </a:fld>
             <a:endParaRPr lang="en-US"/>
           </a:p>
@@ -3416,10 +3416,10 @@
       </p:grpSpPr>
       <p:pic>
         <p:nvPicPr>
-          <p:cNvPr id="6" name="Picture 5">
+          <p:cNvPr id="27" name="Picture 26">
             <a:extLst>
               <a:ext uri="{FF2B5EF4-FFF2-40B4-BE49-F238E27FC236}">
-                <a16:creationId xmlns:a16="http://schemas.microsoft.com/office/drawing/2014/main" id="{787D4620-5142-219B-0718-E17846806827}"/>
+                <a16:creationId xmlns:a16="http://schemas.microsoft.com/office/drawing/2014/main" id="{4904947D-EFBC-B8C8-3102-130E3AC5D203}"/>
               </a:ext>
             </a:extLst>
           </p:cNvPr>
@@ -3436,8 +3436,8 @@
         </p:blipFill>
         <p:spPr>
           <a:xfrm>
-            <a:off x="0" y="190380"/>
-            <a:ext cx="3657600" cy="2743200"/>
+            <a:off x="-19251" y="163624"/>
+            <a:ext cx="3684968" cy="2763726"/>
           </a:xfrm>
           <a:prstGeom prst="rect">
             <a:avLst/>
@@ -3446,10 +3446,10 @@
       </p:pic>
       <p:pic>
         <p:nvPicPr>
-          <p:cNvPr id="8" name="Picture 7">
+          <p:cNvPr id="29" name="Picture 28">
             <a:extLst>
               <a:ext uri="{FF2B5EF4-FFF2-40B4-BE49-F238E27FC236}">
-                <a16:creationId xmlns:a16="http://schemas.microsoft.com/office/drawing/2014/main" id="{55A7A69F-2367-C7E5-0772-A816D9FBBC77}"/>
+                <a16:creationId xmlns:a16="http://schemas.microsoft.com/office/drawing/2014/main" id="{706257E8-36C4-952D-040A-727970D9AA54}"/>
               </a:ext>
             </a:extLst>
           </p:cNvPr>
@@ -3466,8 +3466,8 @@
         </p:blipFill>
         <p:spPr>
           <a:xfrm>
-            <a:off x="3422857" y="190380"/>
-            <a:ext cx="3657601" cy="2743200"/>
+            <a:off x="3461353" y="163624"/>
+            <a:ext cx="3681984" cy="2761488"/>
           </a:xfrm>
           <a:prstGeom prst="rect">
             <a:avLst/>
@@ -3476,10 +3476,10 @@
       </p:pic>
       <p:pic>
         <p:nvPicPr>
-          <p:cNvPr id="10" name="Picture 9">
+          <p:cNvPr id="33" name="Picture 32">
             <a:extLst>
               <a:ext uri="{FF2B5EF4-FFF2-40B4-BE49-F238E27FC236}">
-                <a16:creationId xmlns:a16="http://schemas.microsoft.com/office/drawing/2014/main" id="{FC199A2C-3ABE-AFAE-517C-C0A9BC92453D}"/>
+                <a16:creationId xmlns:a16="http://schemas.microsoft.com/office/drawing/2014/main" id="{9D3BF33D-1C35-E91B-1283-6A6316CBBAFC}"/>
               </a:ext>
             </a:extLst>
           </p:cNvPr>
@@ -3488,16 +3488,15 @@
           </p:cNvPicPr>
           <p:nvPr/>
         </p:nvPicPr>
-        <p:blipFill>
+        <p:blipFill rotWithShape="1">
           <a:blip r:embed="rId5"/>
-          <a:stretch>
-            <a:fillRect/>
-          </a:stretch>
+          <a:srcRect r="3633" b="1809"/>
+          <a:stretch/>
         </p:blipFill>
         <p:spPr>
           <a:xfrm>
-            <a:off x="6950075" y="190380"/>
-            <a:ext cx="3657600" cy="2743200"/>
+            <a:off x="6970834" y="105878"/>
+            <a:ext cx="3616496" cy="2763726"/>
           </a:xfrm>
           <a:prstGeom prst="rect">
             <a:avLst/>

--- a/Diagnostics/local/Linear_theory/mass25/linear.pptx
+++ b/Diagnostics/local/Linear_theory/mass25/linear.pptx
@@ -197,7 +197,7 @@
           <a:p>
             <a:fld id="{FD33A045-3716-624E-8F87-0E22318EABDB}" type="datetimeFigureOut">
               <a:rPr lang="en-US" smtClean="0"/>
-              <a:t>6/5/23</a:t>
+              <a:t>6/30/2023</a:t>
             </a:fld>
             <a:endParaRPr lang="en-US"/>
           </a:p>
@@ -684,7 +684,7 @@
           <a:p>
             <a:fld id="{59425017-E071-C042-9F7F-EECE8F3B4C22}" type="datetimeFigureOut">
               <a:rPr lang="en-US" smtClean="0"/>
-              <a:t>6/5/23</a:t>
+              <a:t>6/30/2023</a:t>
             </a:fld>
             <a:endParaRPr lang="en-US"/>
           </a:p>
@@ -854,7 +854,7 @@
           <a:p>
             <a:fld id="{59425017-E071-C042-9F7F-EECE8F3B4C22}" type="datetimeFigureOut">
               <a:rPr lang="en-US" smtClean="0"/>
-              <a:t>6/5/23</a:t>
+              <a:t>6/30/2023</a:t>
             </a:fld>
             <a:endParaRPr lang="en-US"/>
           </a:p>
@@ -1034,7 +1034,7 @@
           <a:p>
             <a:fld id="{59425017-E071-C042-9F7F-EECE8F3B4C22}" type="datetimeFigureOut">
               <a:rPr lang="en-US" smtClean="0"/>
-              <a:t>6/5/23</a:t>
+              <a:t>6/30/2023</a:t>
             </a:fld>
             <a:endParaRPr lang="en-US"/>
           </a:p>
@@ -1204,7 +1204,7 @@
           <a:p>
             <a:fld id="{59425017-E071-C042-9F7F-EECE8F3B4C22}" type="datetimeFigureOut">
               <a:rPr lang="en-US" smtClean="0"/>
-              <a:t>6/5/23</a:t>
+              <a:t>6/30/2023</a:t>
             </a:fld>
             <a:endParaRPr lang="en-US"/>
           </a:p>
@@ -1450,7 +1450,7 @@
           <a:p>
             <a:fld id="{59425017-E071-C042-9F7F-EECE8F3B4C22}" type="datetimeFigureOut">
               <a:rPr lang="en-US" smtClean="0"/>
-              <a:t>6/5/23</a:t>
+              <a:t>6/30/2023</a:t>
             </a:fld>
             <a:endParaRPr lang="en-US"/>
           </a:p>
@@ -1682,7 +1682,7 @@
           <a:p>
             <a:fld id="{59425017-E071-C042-9F7F-EECE8F3B4C22}" type="datetimeFigureOut">
               <a:rPr lang="en-US" smtClean="0"/>
-              <a:t>6/5/23</a:t>
+              <a:t>6/30/2023</a:t>
             </a:fld>
             <a:endParaRPr lang="en-US"/>
           </a:p>
@@ -2049,7 +2049,7 @@
           <a:p>
             <a:fld id="{59425017-E071-C042-9F7F-EECE8F3B4C22}" type="datetimeFigureOut">
               <a:rPr lang="en-US" smtClean="0"/>
-              <a:t>6/5/23</a:t>
+              <a:t>6/30/2023</a:t>
             </a:fld>
             <a:endParaRPr lang="en-US"/>
           </a:p>
@@ -2167,7 +2167,7 @@
           <a:p>
             <a:fld id="{59425017-E071-C042-9F7F-EECE8F3B4C22}" type="datetimeFigureOut">
               <a:rPr lang="en-US" smtClean="0"/>
-              <a:t>6/5/23</a:t>
+              <a:t>6/30/2023</a:t>
             </a:fld>
             <a:endParaRPr lang="en-US"/>
           </a:p>
@@ -2262,7 +2262,7 @@
           <a:p>
             <a:fld id="{59425017-E071-C042-9F7F-EECE8F3B4C22}" type="datetimeFigureOut">
               <a:rPr lang="en-US" smtClean="0"/>
-              <a:t>6/5/23</a:t>
+              <a:t>6/30/2023</a:t>
             </a:fld>
             <a:endParaRPr lang="en-US"/>
           </a:p>
@@ -2539,7 +2539,7 @@
           <a:p>
             <a:fld id="{59425017-E071-C042-9F7F-EECE8F3B4C22}" type="datetimeFigureOut">
               <a:rPr lang="en-US" smtClean="0"/>
-              <a:t>6/5/23</a:t>
+              <a:t>6/30/2023</a:t>
             </a:fld>
             <a:endParaRPr lang="en-US"/>
           </a:p>
@@ -2796,7 +2796,7 @@
           <a:p>
             <a:fld id="{59425017-E071-C042-9F7F-EECE8F3B4C22}" type="datetimeFigureOut">
               <a:rPr lang="en-US" smtClean="0"/>
-              <a:t>6/5/23</a:t>
+              <a:t>6/30/2023</a:t>
             </a:fld>
             <a:endParaRPr lang="en-US"/>
           </a:p>
@@ -3009,7 +3009,7 @@
           <a:p>
             <a:fld id="{59425017-E071-C042-9F7F-EECE8F3B4C22}" type="datetimeFigureOut">
               <a:rPr lang="en-US" smtClean="0"/>
-              <a:t>6/5/23</a:t>
+              <a:t>6/30/2023</a:t>
             </a:fld>
             <a:endParaRPr lang="en-US"/>
           </a:p>
@@ -3416,10 +3416,10 @@
       </p:grpSpPr>
       <p:pic>
         <p:nvPicPr>
-          <p:cNvPr id="27" name="Picture 26">
+          <p:cNvPr id="38" name="Picture 37">
             <a:extLst>
               <a:ext uri="{FF2B5EF4-FFF2-40B4-BE49-F238E27FC236}">
-                <a16:creationId xmlns:a16="http://schemas.microsoft.com/office/drawing/2014/main" id="{4904947D-EFBC-B8C8-3102-130E3AC5D203}"/>
+                <a16:creationId xmlns:a16="http://schemas.microsoft.com/office/drawing/2014/main" id="{758D0CC6-B60D-4797-8939-44096199F2E9}"/>
               </a:ext>
             </a:extLst>
           </p:cNvPr>
@@ -3428,16 +3428,15 @@
           </p:cNvPicPr>
           <p:nvPr/>
         </p:nvPicPr>
-        <p:blipFill>
+        <p:blipFill rotWithShape="1">
           <a:blip r:embed="rId3"/>
-          <a:stretch>
-            <a:fillRect/>
-          </a:stretch>
+          <a:srcRect r="4851"/>
+          <a:stretch/>
         </p:blipFill>
         <p:spPr>
           <a:xfrm>
-            <a:off x="-19251" y="163624"/>
-            <a:ext cx="3684968" cy="2763726"/>
+            <a:off x="7150658" y="197056"/>
+            <a:ext cx="3440966" cy="2712282"/>
           </a:xfrm>
           <a:prstGeom prst="rect">
             <a:avLst/>
@@ -3446,10 +3445,10 @@
       </p:pic>
       <p:pic>
         <p:nvPicPr>
-          <p:cNvPr id="29" name="Picture 28">
+          <p:cNvPr id="40" name="Picture 39">
             <a:extLst>
               <a:ext uri="{FF2B5EF4-FFF2-40B4-BE49-F238E27FC236}">
-                <a16:creationId xmlns:a16="http://schemas.microsoft.com/office/drawing/2014/main" id="{706257E8-36C4-952D-040A-727970D9AA54}"/>
+                <a16:creationId xmlns:a16="http://schemas.microsoft.com/office/drawing/2014/main" id="{2D9A2E55-CCC1-48D7-9DCA-FA786795243D}"/>
               </a:ext>
             </a:extLst>
           </p:cNvPr>
@@ -3458,16 +3457,15 @@
           </p:cNvPicPr>
           <p:nvPr/>
         </p:nvPicPr>
-        <p:blipFill>
+        <p:blipFill rotWithShape="1">
           <a:blip r:embed="rId4"/>
-          <a:stretch>
-            <a:fillRect/>
-          </a:stretch>
+          <a:srcRect r="5291"/>
+          <a:stretch/>
         </p:blipFill>
         <p:spPr>
           <a:xfrm>
-            <a:off x="3461353" y="163624"/>
-            <a:ext cx="3681984" cy="2761488"/>
+            <a:off x="20125" y="143378"/>
+            <a:ext cx="3515553" cy="2783971"/>
           </a:xfrm>
           <a:prstGeom prst="rect">
             <a:avLst/>
@@ -3476,10 +3474,10 @@
       </p:pic>
       <p:pic>
         <p:nvPicPr>
-          <p:cNvPr id="33" name="Picture 32">
+          <p:cNvPr id="42" name="Picture 41">
             <a:extLst>
               <a:ext uri="{FF2B5EF4-FFF2-40B4-BE49-F238E27FC236}">
-                <a16:creationId xmlns:a16="http://schemas.microsoft.com/office/drawing/2014/main" id="{9D3BF33D-1C35-E91B-1283-6A6316CBBAFC}"/>
+                <a16:creationId xmlns:a16="http://schemas.microsoft.com/office/drawing/2014/main" id="{7460552A-C0AE-4647-A738-C4F9CC9BAFE1}"/>
               </a:ext>
             </a:extLst>
           </p:cNvPr>
@@ -3490,13 +3488,13 @@
         </p:nvPicPr>
         <p:blipFill rotWithShape="1">
           <a:blip r:embed="rId5"/>
-          <a:srcRect r="3633" b="1809"/>
+          <a:srcRect r="4851"/>
           <a:stretch/>
         </p:blipFill>
         <p:spPr>
           <a:xfrm>
-            <a:off x="6970834" y="105878"/>
-            <a:ext cx="3616496" cy="2763726"/>
+            <a:off x="3635615" y="179046"/>
+            <a:ext cx="3486665" cy="2748303"/>
           </a:xfrm>
           <a:prstGeom prst="rect">
             <a:avLst/>
@@ -3552,7 +3550,7 @@
         </p:nvSpPr>
         <p:spPr>
           <a:xfrm>
-            <a:off x="3527218" y="-44229"/>
+            <a:off x="3678288" y="-44229"/>
             <a:ext cx="417102" cy="338554"/>
           </a:xfrm>
           <a:prstGeom prst="rect">
@@ -3587,7 +3585,7 @@
         </p:nvSpPr>
         <p:spPr>
           <a:xfrm>
-            <a:off x="7080457" y="-18510"/>
+            <a:off x="7255388" y="-33392"/>
             <a:ext cx="396262" cy="338554"/>
           </a:xfrm>
           <a:prstGeom prst="rect">

--- a/Diagnostics/local/Linear_theory/mass25/linear.pptx
+++ b/Diagnostics/local/Linear_theory/mass25/linear.pptx
@@ -197,7 +197,7 @@
           <a:p>
             <a:fld id="{FD33A045-3716-624E-8F87-0E22318EABDB}" type="datetimeFigureOut">
               <a:rPr lang="en-US" smtClean="0"/>
-              <a:t>6/30/2023</a:t>
+              <a:t>7/4/2023</a:t>
             </a:fld>
             <a:endParaRPr lang="en-US"/>
           </a:p>
@@ -684,7 +684,7 @@
           <a:p>
             <a:fld id="{59425017-E071-C042-9F7F-EECE8F3B4C22}" type="datetimeFigureOut">
               <a:rPr lang="en-US" smtClean="0"/>
-              <a:t>6/30/2023</a:t>
+              <a:t>7/4/2023</a:t>
             </a:fld>
             <a:endParaRPr lang="en-US"/>
           </a:p>
@@ -854,7 +854,7 @@
           <a:p>
             <a:fld id="{59425017-E071-C042-9F7F-EECE8F3B4C22}" type="datetimeFigureOut">
               <a:rPr lang="en-US" smtClean="0"/>
-              <a:t>6/30/2023</a:t>
+              <a:t>7/4/2023</a:t>
             </a:fld>
             <a:endParaRPr lang="en-US"/>
           </a:p>
@@ -1034,7 +1034,7 @@
           <a:p>
             <a:fld id="{59425017-E071-C042-9F7F-EECE8F3B4C22}" type="datetimeFigureOut">
               <a:rPr lang="en-US" smtClean="0"/>
-              <a:t>6/30/2023</a:t>
+              <a:t>7/4/2023</a:t>
             </a:fld>
             <a:endParaRPr lang="en-US"/>
           </a:p>
@@ -1204,7 +1204,7 @@
           <a:p>
             <a:fld id="{59425017-E071-C042-9F7F-EECE8F3B4C22}" type="datetimeFigureOut">
               <a:rPr lang="en-US" smtClean="0"/>
-              <a:t>6/30/2023</a:t>
+              <a:t>7/4/2023</a:t>
             </a:fld>
             <a:endParaRPr lang="en-US"/>
           </a:p>
@@ -1450,7 +1450,7 @@
           <a:p>
             <a:fld id="{59425017-E071-C042-9F7F-EECE8F3B4C22}" type="datetimeFigureOut">
               <a:rPr lang="en-US" smtClean="0"/>
-              <a:t>6/30/2023</a:t>
+              <a:t>7/4/2023</a:t>
             </a:fld>
             <a:endParaRPr lang="en-US"/>
           </a:p>
@@ -1682,7 +1682,7 @@
           <a:p>
             <a:fld id="{59425017-E071-C042-9F7F-EECE8F3B4C22}" type="datetimeFigureOut">
               <a:rPr lang="en-US" smtClean="0"/>
-              <a:t>6/30/2023</a:t>
+              <a:t>7/4/2023</a:t>
             </a:fld>
             <a:endParaRPr lang="en-US"/>
           </a:p>
@@ -2049,7 +2049,7 @@
           <a:p>
             <a:fld id="{59425017-E071-C042-9F7F-EECE8F3B4C22}" type="datetimeFigureOut">
               <a:rPr lang="en-US" smtClean="0"/>
-              <a:t>6/30/2023</a:t>
+              <a:t>7/4/2023</a:t>
             </a:fld>
             <a:endParaRPr lang="en-US"/>
           </a:p>
@@ -2167,7 +2167,7 @@
           <a:p>
             <a:fld id="{59425017-E071-C042-9F7F-EECE8F3B4C22}" type="datetimeFigureOut">
               <a:rPr lang="en-US" smtClean="0"/>
-              <a:t>6/30/2023</a:t>
+              <a:t>7/4/2023</a:t>
             </a:fld>
             <a:endParaRPr lang="en-US"/>
           </a:p>
@@ -2262,7 +2262,7 @@
           <a:p>
             <a:fld id="{59425017-E071-C042-9F7F-EECE8F3B4C22}" type="datetimeFigureOut">
               <a:rPr lang="en-US" smtClean="0"/>
-              <a:t>6/30/2023</a:t>
+              <a:t>7/4/2023</a:t>
             </a:fld>
             <a:endParaRPr lang="en-US"/>
           </a:p>
@@ -2539,7 +2539,7 @@
           <a:p>
             <a:fld id="{59425017-E071-C042-9F7F-EECE8F3B4C22}" type="datetimeFigureOut">
               <a:rPr lang="en-US" smtClean="0"/>
-              <a:t>6/30/2023</a:t>
+              <a:t>7/4/2023</a:t>
             </a:fld>
             <a:endParaRPr lang="en-US"/>
           </a:p>
@@ -2796,7 +2796,7 @@
           <a:p>
             <a:fld id="{59425017-E071-C042-9F7F-EECE8F3B4C22}" type="datetimeFigureOut">
               <a:rPr lang="en-US" smtClean="0"/>
-              <a:t>6/30/2023</a:t>
+              <a:t>7/4/2023</a:t>
             </a:fld>
             <a:endParaRPr lang="en-US"/>
           </a:p>
@@ -3009,7 +3009,7 @@
           <a:p>
             <a:fld id="{59425017-E071-C042-9F7F-EECE8F3B4C22}" type="datetimeFigureOut">
               <a:rPr lang="en-US" smtClean="0"/>
-              <a:t>6/30/2023</a:t>
+              <a:t>7/4/2023</a:t>
             </a:fld>
             <a:endParaRPr lang="en-US"/>
           </a:p>
@@ -3416,6 +3416,35 @@
       </p:grpSpPr>
       <p:pic>
         <p:nvPicPr>
+          <p:cNvPr id="3" name="Picture 2">
+            <a:extLst>
+              <a:ext uri="{FF2B5EF4-FFF2-40B4-BE49-F238E27FC236}">
+                <a16:creationId xmlns:a16="http://schemas.microsoft.com/office/drawing/2014/main" id="{848C0519-53CB-4DE7-AA9D-5D1A9563A554}"/>
+              </a:ext>
+            </a:extLst>
+          </p:cNvPr>
+          <p:cNvPicPr>
+            <a:picLocks noChangeAspect="1"/>
+          </p:cNvPicPr>
+          <p:nvPr/>
+        </p:nvPicPr>
+        <p:blipFill rotWithShape="1">
+          <a:blip r:embed="rId3"/>
+          <a:srcRect t="-1" r="2495" b="1935"/>
+          <a:stretch/>
+        </p:blipFill>
+        <p:spPr>
+          <a:xfrm>
+            <a:off x="-21853" y="157485"/>
+            <a:ext cx="3629090" cy="2737453"/>
+          </a:xfrm>
+          <a:prstGeom prst="rect">
+            <a:avLst/>
+          </a:prstGeom>
+        </p:spPr>
+      </p:pic>
+      <p:pic>
+        <p:nvPicPr>
           <p:cNvPr id="38" name="Picture 37">
             <a:extLst>
               <a:ext uri="{FF2B5EF4-FFF2-40B4-BE49-F238E27FC236}">
@@ -3429,7 +3458,7 @@
           <p:nvPr/>
         </p:nvPicPr>
         <p:blipFill rotWithShape="1">
-          <a:blip r:embed="rId3"/>
+          <a:blip r:embed="rId4"/>
           <a:srcRect r="4851"/>
           <a:stretch/>
         </p:blipFill>
@@ -3437,35 +3466,6 @@
           <a:xfrm>
             <a:off x="7150658" y="197056"/>
             <a:ext cx="3440966" cy="2712282"/>
-          </a:xfrm>
-          <a:prstGeom prst="rect">
-            <a:avLst/>
-          </a:prstGeom>
-        </p:spPr>
-      </p:pic>
-      <p:pic>
-        <p:nvPicPr>
-          <p:cNvPr id="40" name="Picture 39">
-            <a:extLst>
-              <a:ext uri="{FF2B5EF4-FFF2-40B4-BE49-F238E27FC236}">
-                <a16:creationId xmlns:a16="http://schemas.microsoft.com/office/drawing/2014/main" id="{2D9A2E55-CCC1-48D7-9DCA-FA786795243D}"/>
-              </a:ext>
-            </a:extLst>
-          </p:cNvPr>
-          <p:cNvPicPr>
-            <a:picLocks noChangeAspect="1"/>
-          </p:cNvPicPr>
-          <p:nvPr/>
-        </p:nvPicPr>
-        <p:blipFill rotWithShape="1">
-          <a:blip r:embed="rId4"/>
-          <a:srcRect r="5291"/>
-          <a:stretch/>
-        </p:blipFill>
-        <p:spPr>
-          <a:xfrm>
-            <a:off x="20125" y="143378"/>
-            <a:ext cx="3515553" cy="2783971"/>
           </a:xfrm>
           <a:prstGeom prst="rect">
             <a:avLst/>

--- a/Diagnostics/local/Linear_theory/mass25/linear.pptx
+++ b/Diagnostics/local/Linear_theory/mass25/linear.pptx
@@ -197,7 +197,7 @@
           <a:p>
             <a:fld id="{FD33A045-3716-624E-8F87-0E22318EABDB}" type="datetimeFigureOut">
               <a:rPr lang="en-US" smtClean="0"/>
-              <a:t>7/4/2023</a:t>
+              <a:t>8/25/2023</a:t>
             </a:fld>
             <a:endParaRPr lang="en-US"/>
           </a:p>
@@ -684,7 +684,7 @@
           <a:p>
             <a:fld id="{59425017-E071-C042-9F7F-EECE8F3B4C22}" type="datetimeFigureOut">
               <a:rPr lang="en-US" smtClean="0"/>
-              <a:t>7/4/2023</a:t>
+              <a:t>8/25/2023</a:t>
             </a:fld>
             <a:endParaRPr lang="en-US"/>
           </a:p>
@@ -854,7 +854,7 @@
           <a:p>
             <a:fld id="{59425017-E071-C042-9F7F-EECE8F3B4C22}" type="datetimeFigureOut">
               <a:rPr lang="en-US" smtClean="0"/>
-              <a:t>7/4/2023</a:t>
+              <a:t>8/25/2023</a:t>
             </a:fld>
             <a:endParaRPr lang="en-US"/>
           </a:p>
@@ -1034,7 +1034,7 @@
           <a:p>
             <a:fld id="{59425017-E071-C042-9F7F-EECE8F3B4C22}" type="datetimeFigureOut">
               <a:rPr lang="en-US" smtClean="0"/>
-              <a:t>7/4/2023</a:t>
+              <a:t>8/25/2023</a:t>
             </a:fld>
             <a:endParaRPr lang="en-US"/>
           </a:p>
@@ -1204,7 +1204,7 @@
           <a:p>
             <a:fld id="{59425017-E071-C042-9F7F-EECE8F3B4C22}" type="datetimeFigureOut">
               <a:rPr lang="en-US" smtClean="0"/>
-              <a:t>7/4/2023</a:t>
+              <a:t>8/25/2023</a:t>
             </a:fld>
             <a:endParaRPr lang="en-US"/>
           </a:p>
@@ -1450,7 +1450,7 @@
           <a:p>
             <a:fld id="{59425017-E071-C042-9F7F-EECE8F3B4C22}" type="datetimeFigureOut">
               <a:rPr lang="en-US" smtClean="0"/>
-              <a:t>7/4/2023</a:t>
+              <a:t>8/25/2023</a:t>
             </a:fld>
             <a:endParaRPr lang="en-US"/>
           </a:p>
@@ -1682,7 +1682,7 @@
           <a:p>
             <a:fld id="{59425017-E071-C042-9F7F-EECE8F3B4C22}" type="datetimeFigureOut">
               <a:rPr lang="en-US" smtClean="0"/>
-              <a:t>7/4/2023</a:t>
+              <a:t>8/25/2023</a:t>
             </a:fld>
             <a:endParaRPr lang="en-US"/>
           </a:p>
@@ -2049,7 +2049,7 @@
           <a:p>
             <a:fld id="{59425017-E071-C042-9F7F-EECE8F3B4C22}" type="datetimeFigureOut">
               <a:rPr lang="en-US" smtClean="0"/>
-              <a:t>7/4/2023</a:t>
+              <a:t>8/25/2023</a:t>
             </a:fld>
             <a:endParaRPr lang="en-US"/>
           </a:p>
@@ -2167,7 +2167,7 @@
           <a:p>
             <a:fld id="{59425017-E071-C042-9F7F-EECE8F3B4C22}" type="datetimeFigureOut">
               <a:rPr lang="en-US" smtClean="0"/>
-              <a:t>7/4/2023</a:t>
+              <a:t>8/25/2023</a:t>
             </a:fld>
             <a:endParaRPr lang="en-US"/>
           </a:p>
@@ -2262,7 +2262,7 @@
           <a:p>
             <a:fld id="{59425017-E071-C042-9F7F-EECE8F3B4C22}" type="datetimeFigureOut">
               <a:rPr lang="en-US" smtClean="0"/>
-              <a:t>7/4/2023</a:t>
+              <a:t>8/25/2023</a:t>
             </a:fld>
             <a:endParaRPr lang="en-US"/>
           </a:p>
@@ -2539,7 +2539,7 @@
           <a:p>
             <a:fld id="{59425017-E071-C042-9F7F-EECE8F3B4C22}" type="datetimeFigureOut">
               <a:rPr lang="en-US" smtClean="0"/>
-              <a:t>7/4/2023</a:t>
+              <a:t>8/25/2023</a:t>
             </a:fld>
             <a:endParaRPr lang="en-US"/>
           </a:p>
@@ -2796,7 +2796,7 @@
           <a:p>
             <a:fld id="{59425017-E071-C042-9F7F-EECE8F3B4C22}" type="datetimeFigureOut">
               <a:rPr lang="en-US" smtClean="0"/>
-              <a:t>7/4/2023</a:t>
+              <a:t>8/25/2023</a:t>
             </a:fld>
             <a:endParaRPr lang="en-US"/>
           </a:p>
@@ -3009,7 +3009,7 @@
           <a:p>
             <a:fld id="{59425017-E071-C042-9F7F-EECE8F3B4C22}" type="datetimeFigureOut">
               <a:rPr lang="en-US" smtClean="0"/>
-              <a:t>7/4/2023</a:t>
+              <a:t>8/25/2023</a:t>
             </a:fld>
             <a:endParaRPr lang="en-US"/>
           </a:p>
@@ -3416,10 +3416,10 @@
       </p:grpSpPr>
       <p:pic>
         <p:nvPicPr>
-          <p:cNvPr id="3" name="Picture 2">
+          <p:cNvPr id="15" name="Picture 14">
             <a:extLst>
               <a:ext uri="{FF2B5EF4-FFF2-40B4-BE49-F238E27FC236}">
-                <a16:creationId xmlns:a16="http://schemas.microsoft.com/office/drawing/2014/main" id="{848C0519-53CB-4DE7-AA9D-5D1A9563A554}"/>
+                <a16:creationId xmlns:a16="http://schemas.microsoft.com/office/drawing/2014/main" id="{09367A04-C953-4FCB-945D-5B842E08426B}"/>
               </a:ext>
             </a:extLst>
           </p:cNvPr>
@@ -3430,13 +3430,13 @@
         </p:nvPicPr>
         <p:blipFill rotWithShape="1">
           <a:blip r:embed="rId3"/>
-          <a:srcRect t="-1" r="2495" b="1935"/>
+          <a:srcRect r="5708"/>
           <a:stretch/>
         </p:blipFill>
         <p:spPr>
           <a:xfrm>
-            <a:off x="-21853" y="157485"/>
-            <a:ext cx="3629090" cy="2737453"/>
+            <a:off x="7173298" y="212830"/>
+            <a:ext cx="3412777" cy="2714520"/>
           </a:xfrm>
           <a:prstGeom prst="rect">
             <a:avLst/>
@@ -3445,10 +3445,10 @@
       </p:pic>
       <p:pic>
         <p:nvPicPr>
-          <p:cNvPr id="38" name="Picture 37">
+          <p:cNvPr id="10" name="Picture 9">
             <a:extLst>
               <a:ext uri="{FF2B5EF4-FFF2-40B4-BE49-F238E27FC236}">
-                <a16:creationId xmlns:a16="http://schemas.microsoft.com/office/drawing/2014/main" id="{758D0CC6-B60D-4797-8939-44096199F2E9}"/>
+                <a16:creationId xmlns:a16="http://schemas.microsoft.com/office/drawing/2014/main" id="{5553DE7B-7844-4BA4-92EE-20467190E23C}"/>
               </a:ext>
             </a:extLst>
           </p:cNvPr>
@@ -3459,13 +3459,13 @@
         </p:nvPicPr>
         <p:blipFill rotWithShape="1">
           <a:blip r:embed="rId4"/>
-          <a:srcRect r="4851"/>
+          <a:srcRect r="5708"/>
           <a:stretch/>
         </p:blipFill>
         <p:spPr>
           <a:xfrm>
-            <a:off x="7150658" y="197056"/>
-            <a:ext cx="3440966" cy="2712282"/>
+            <a:off x="3597448" y="207359"/>
+            <a:ext cx="3412777" cy="2714520"/>
           </a:xfrm>
           <a:prstGeom prst="rect">
             <a:avLst/>
@@ -3474,10 +3474,10 @@
       </p:pic>
       <p:pic>
         <p:nvPicPr>
-          <p:cNvPr id="42" name="Picture 41">
+          <p:cNvPr id="17" name="Picture 16">
             <a:extLst>
               <a:ext uri="{FF2B5EF4-FFF2-40B4-BE49-F238E27FC236}">
-                <a16:creationId xmlns:a16="http://schemas.microsoft.com/office/drawing/2014/main" id="{7460552A-C0AE-4647-A738-C4F9CC9BAFE1}"/>
+                <a16:creationId xmlns:a16="http://schemas.microsoft.com/office/drawing/2014/main" id="{FED19001-EA96-4A4F-8DE9-64BD49AFD46E}"/>
               </a:ext>
             </a:extLst>
           </p:cNvPr>
@@ -3488,13 +3488,13 @@
         </p:nvPicPr>
         <p:blipFill rotWithShape="1">
           <a:blip r:embed="rId5"/>
-          <a:srcRect r="4851"/>
+          <a:srcRect t="-1456" r="4431" b="1"/>
           <a:stretch/>
         </p:blipFill>
         <p:spPr>
           <a:xfrm>
-            <a:off x="3635615" y="179046"/>
-            <a:ext cx="3486665" cy="2748303"/>
+            <a:off x="0" y="115200"/>
+            <a:ext cx="3525093" cy="2806679"/>
           </a:xfrm>
           <a:prstGeom prst="rect">
             <a:avLst/>

--- a/Diagnostics/local/Linear_theory/mass25/linear.pptx
+++ b/Diagnostics/local/Linear_theory/mass25/linear.pptx
@@ -197,7 +197,7 @@
           <a:p>
             <a:fld id="{FD33A045-3716-624E-8F87-0E22318EABDB}" type="datetimeFigureOut">
               <a:rPr lang="en-US" smtClean="0"/>
-              <a:t>8/25/2023</a:t>
+              <a:t>10/2/2023</a:t>
             </a:fld>
             <a:endParaRPr lang="en-US"/>
           </a:p>
@@ -684,7 +684,7 @@
           <a:p>
             <a:fld id="{59425017-E071-C042-9F7F-EECE8F3B4C22}" type="datetimeFigureOut">
               <a:rPr lang="en-US" smtClean="0"/>
-              <a:t>8/25/2023</a:t>
+              <a:t>10/2/2023</a:t>
             </a:fld>
             <a:endParaRPr lang="en-US"/>
           </a:p>
@@ -854,7 +854,7 @@
           <a:p>
             <a:fld id="{59425017-E071-C042-9F7F-EECE8F3B4C22}" type="datetimeFigureOut">
               <a:rPr lang="en-US" smtClean="0"/>
-              <a:t>8/25/2023</a:t>
+              <a:t>10/2/2023</a:t>
             </a:fld>
             <a:endParaRPr lang="en-US"/>
           </a:p>
@@ -1034,7 +1034,7 @@
           <a:p>
             <a:fld id="{59425017-E071-C042-9F7F-EECE8F3B4C22}" type="datetimeFigureOut">
               <a:rPr lang="en-US" smtClean="0"/>
-              <a:t>8/25/2023</a:t>
+              <a:t>10/2/2023</a:t>
             </a:fld>
             <a:endParaRPr lang="en-US"/>
           </a:p>
@@ -1204,7 +1204,7 @@
           <a:p>
             <a:fld id="{59425017-E071-C042-9F7F-EECE8F3B4C22}" type="datetimeFigureOut">
               <a:rPr lang="en-US" smtClean="0"/>
-              <a:t>8/25/2023</a:t>
+              <a:t>10/2/2023</a:t>
             </a:fld>
             <a:endParaRPr lang="en-US"/>
           </a:p>
@@ -1450,7 +1450,7 @@
           <a:p>
             <a:fld id="{59425017-E071-C042-9F7F-EECE8F3B4C22}" type="datetimeFigureOut">
               <a:rPr lang="en-US" smtClean="0"/>
-              <a:t>8/25/2023</a:t>
+              <a:t>10/2/2023</a:t>
             </a:fld>
             <a:endParaRPr lang="en-US"/>
           </a:p>
@@ -1682,7 +1682,7 @@
           <a:p>
             <a:fld id="{59425017-E071-C042-9F7F-EECE8F3B4C22}" type="datetimeFigureOut">
               <a:rPr lang="en-US" smtClean="0"/>
-              <a:t>8/25/2023</a:t>
+              <a:t>10/2/2023</a:t>
             </a:fld>
             <a:endParaRPr lang="en-US"/>
           </a:p>
@@ -2049,7 +2049,7 @@
           <a:p>
             <a:fld id="{59425017-E071-C042-9F7F-EECE8F3B4C22}" type="datetimeFigureOut">
               <a:rPr lang="en-US" smtClean="0"/>
-              <a:t>8/25/2023</a:t>
+              <a:t>10/2/2023</a:t>
             </a:fld>
             <a:endParaRPr lang="en-US"/>
           </a:p>
@@ -2167,7 +2167,7 @@
           <a:p>
             <a:fld id="{59425017-E071-C042-9F7F-EECE8F3B4C22}" type="datetimeFigureOut">
               <a:rPr lang="en-US" smtClean="0"/>
-              <a:t>8/25/2023</a:t>
+              <a:t>10/2/2023</a:t>
             </a:fld>
             <a:endParaRPr lang="en-US"/>
           </a:p>
@@ -2262,7 +2262,7 @@
           <a:p>
             <a:fld id="{59425017-E071-C042-9F7F-EECE8F3B4C22}" type="datetimeFigureOut">
               <a:rPr lang="en-US" smtClean="0"/>
-              <a:t>8/25/2023</a:t>
+              <a:t>10/2/2023</a:t>
             </a:fld>
             <a:endParaRPr lang="en-US"/>
           </a:p>
@@ -2539,7 +2539,7 @@
           <a:p>
             <a:fld id="{59425017-E071-C042-9F7F-EECE8F3B4C22}" type="datetimeFigureOut">
               <a:rPr lang="en-US" smtClean="0"/>
-              <a:t>8/25/2023</a:t>
+              <a:t>10/2/2023</a:t>
             </a:fld>
             <a:endParaRPr lang="en-US"/>
           </a:p>
@@ -2796,7 +2796,7 @@
           <a:p>
             <a:fld id="{59425017-E071-C042-9F7F-EECE8F3B4C22}" type="datetimeFigureOut">
               <a:rPr lang="en-US" smtClean="0"/>
-              <a:t>8/25/2023</a:t>
+              <a:t>10/2/2023</a:t>
             </a:fld>
             <a:endParaRPr lang="en-US"/>
           </a:p>
@@ -3009,7 +3009,7 @@
           <a:p>
             <a:fld id="{59425017-E071-C042-9F7F-EECE8F3B4C22}" type="datetimeFigureOut">
               <a:rPr lang="en-US" smtClean="0"/>
-              <a:t>8/25/2023</a:t>
+              <a:t>10/2/2023</a:t>
             </a:fld>
             <a:endParaRPr lang="en-US"/>
           </a:p>
@@ -3416,10 +3416,10 @@
       </p:grpSpPr>
       <p:pic>
         <p:nvPicPr>
-          <p:cNvPr id="15" name="Picture 14">
+          <p:cNvPr id="21" name="Picture 20">
             <a:extLst>
               <a:ext uri="{FF2B5EF4-FFF2-40B4-BE49-F238E27FC236}">
-                <a16:creationId xmlns:a16="http://schemas.microsoft.com/office/drawing/2014/main" id="{09367A04-C953-4FCB-945D-5B842E08426B}"/>
+                <a16:creationId xmlns:a16="http://schemas.microsoft.com/office/drawing/2014/main" id="{A5C9E87C-9C99-416D-A499-3994B8150DAB}"/>
               </a:ext>
             </a:extLst>
           </p:cNvPr>
@@ -3430,13 +3430,13 @@
         </p:nvPicPr>
         <p:blipFill rotWithShape="1">
           <a:blip r:embed="rId3"/>
-          <a:srcRect r="5708"/>
+          <a:srcRect r="5343"/>
           <a:stretch/>
         </p:blipFill>
         <p:spPr>
           <a:xfrm>
-            <a:off x="7173298" y="212830"/>
-            <a:ext cx="3412777" cy="2714520"/>
+            <a:off x="3538444" y="146610"/>
+            <a:ext cx="3513754" cy="2784072"/>
           </a:xfrm>
           <a:prstGeom prst="rect">
             <a:avLst/>
@@ -3445,10 +3445,10 @@
       </p:pic>
       <p:pic>
         <p:nvPicPr>
-          <p:cNvPr id="10" name="Picture 9">
+          <p:cNvPr id="16" name="Picture 15">
             <a:extLst>
               <a:ext uri="{FF2B5EF4-FFF2-40B4-BE49-F238E27FC236}">
-                <a16:creationId xmlns:a16="http://schemas.microsoft.com/office/drawing/2014/main" id="{5553DE7B-7844-4BA4-92EE-20467190E23C}"/>
+                <a16:creationId xmlns:a16="http://schemas.microsoft.com/office/drawing/2014/main" id="{EA4004D2-A5C7-46B6-90C0-72E69D843B49}"/>
               </a:ext>
             </a:extLst>
           </p:cNvPr>
@@ -3459,13 +3459,13 @@
         </p:nvPicPr>
         <p:blipFill rotWithShape="1">
           <a:blip r:embed="rId4"/>
-          <a:srcRect r="5708"/>
+          <a:srcRect t="-153" r="5343" b="-1"/>
           <a:stretch/>
         </p:blipFill>
         <p:spPr>
           <a:xfrm>
-            <a:off x="3597448" y="207359"/>
-            <a:ext cx="3412777" cy="2714520"/>
+            <a:off x="7069690" y="131763"/>
+            <a:ext cx="3513752" cy="2788325"/>
           </a:xfrm>
           <a:prstGeom prst="rect">
             <a:avLst/>
@@ -3474,10 +3474,10 @@
       </p:pic>
       <p:pic>
         <p:nvPicPr>
-          <p:cNvPr id="17" name="Picture 16">
+          <p:cNvPr id="19" name="Picture 18">
             <a:extLst>
               <a:ext uri="{FF2B5EF4-FFF2-40B4-BE49-F238E27FC236}">
-                <a16:creationId xmlns:a16="http://schemas.microsoft.com/office/drawing/2014/main" id="{FED19001-EA96-4A4F-8DE9-64BD49AFD46E}"/>
+                <a16:creationId xmlns:a16="http://schemas.microsoft.com/office/drawing/2014/main" id="{CA550EFB-39D3-44B5-9905-F7D74B58430F}"/>
               </a:ext>
             </a:extLst>
           </p:cNvPr>
@@ -3488,13 +3488,13 @@
         </p:nvPicPr>
         <p:blipFill rotWithShape="1">
           <a:blip r:embed="rId5"/>
-          <a:srcRect t="-1456" r="4431" b="1"/>
+          <a:srcRect r="5343" b="239"/>
           <a:stretch/>
         </p:blipFill>
         <p:spPr>
           <a:xfrm>
-            <a:off x="0" y="115200"/>
-            <a:ext cx="3525093" cy="2806679"/>
+            <a:off x="0" y="149943"/>
+            <a:ext cx="3513752" cy="2777407"/>
           </a:xfrm>
           <a:prstGeom prst="rect">
             <a:avLst/>
@@ -3515,8 +3515,8 @@
         </p:nvSpPr>
         <p:spPr>
           <a:xfrm>
-            <a:off x="-42389" y="-28920"/>
-            <a:ext cx="407484" cy="338554"/>
+            <a:off x="-67892" y="-50880"/>
+            <a:ext cx="436338" cy="369332"/>
           </a:xfrm>
           <a:prstGeom prst="rect">
             <a:avLst/>
@@ -3530,7 +3530,7 @@
           <a:lstStyle/>
           <a:p>
             <a:r>
-              <a:rPr lang="en-US" sz="1600" dirty="0"/>
+              <a:rPr lang="en-US" dirty="0"/>
               <a:t>(a)</a:t>
             </a:r>
           </a:p>
@@ -3550,8 +3550,8 @@
         </p:nvSpPr>
         <p:spPr>
           <a:xfrm>
-            <a:off x="3678288" y="-44229"/>
-            <a:ext cx="417102" cy="338554"/>
+            <a:off x="3495289" y="-34723"/>
+            <a:ext cx="447558" cy="369332"/>
           </a:xfrm>
           <a:prstGeom prst="rect">
             <a:avLst/>
@@ -3565,7 +3565,7 @@
           <a:lstStyle/>
           <a:p>
             <a:r>
-              <a:rPr lang="en-US" sz="1600" dirty="0"/>
+              <a:rPr lang="en-US" dirty="0"/>
               <a:t>(b)</a:t>
             </a:r>
           </a:p>
@@ -3585,8 +3585,8 @@
         </p:nvSpPr>
         <p:spPr>
           <a:xfrm>
-            <a:off x="7255388" y="-33392"/>
-            <a:ext cx="396262" cy="338554"/>
+            <a:off x="7069690" y="-34723"/>
+            <a:ext cx="423514" cy="369332"/>
           </a:xfrm>
           <a:prstGeom prst="rect">
             <a:avLst/>
@@ -3600,7 +3600,7 @@
           <a:lstStyle/>
           <a:p>
             <a:r>
-              <a:rPr lang="en-US" sz="1600" dirty="0"/>
+              <a:rPr lang="en-US" dirty="0"/>
               <a:t>(c)</a:t>
             </a:r>
           </a:p>
